--- a/2semestre-final/apresentaçao agroconnect 0712.pptx
+++ b/2semestre-final/apresentaçao agroconnect 0712.pptx
@@ -166,7 +166,7 @@
 <file path=ppt/revisionInfo.xml><?xml version="1.0" encoding="utf-8"?>
 <p1510:revInfo xmlns:a="http://schemas.openxmlformats.org/drawingml/2006/main" xmlns:r="http://schemas.openxmlformats.org/officeDocument/2006/relationships" xmlns:p1510="http://schemas.microsoft.com/office/powerpoint/2015/10/main">
   <p1510:revLst>
-    <p1510:client id="{5CFF5978-78B4-4AAC-8E61-5CBBB582178C}" v="2" dt="2023-12-07T00:20:59.854"/>
+    <p1510:client id="{5CFF5978-78B4-4AAC-8E61-5CBBB582178C}" v="5" dt="2023-12-07T09:21:12.711"/>
     <p1510:client id="{F95DD730-6D6B-49EA-B944-F8D79754521C}" v="92" dt="2023-12-06T23:34:21.409"/>
   </p1510:revLst>
 </p1510:revInfo>
@@ -177,10 +177,25 @@
   <pc:docChgLst>
     <pc:chgData name="Victória Silva Oliveira" userId="aac0cd666a8e7236" providerId="LiveId" clId="{5CFF5978-78B4-4AAC-8E61-5CBBB582178C}"/>
     <pc:docChg chg="undo custSel addSld delSld modSld">
-      <pc:chgData name="Victória Silva Oliveira" userId="aac0cd666a8e7236" providerId="LiveId" clId="{5CFF5978-78B4-4AAC-8E61-5CBBB582178C}" dt="2023-12-07T00:46:43.633" v="88" actId="1076"/>
+      <pc:chgData name="Victória Silva Oliveira" userId="aac0cd666a8e7236" providerId="LiveId" clId="{5CFF5978-78B4-4AAC-8E61-5CBBB582178C}" dt="2023-12-07T09:24:18.573" v="96" actId="1036"/>
       <pc:docMkLst>
         <pc:docMk/>
       </pc:docMkLst>
+      <pc:sldChg chg="modSp">
+        <pc:chgData name="Victória Silva Oliveira" userId="aac0cd666a8e7236" providerId="LiveId" clId="{5CFF5978-78B4-4AAC-8E61-5CBBB582178C}" dt="2023-12-07T09:21:12.710" v="91" actId="20577"/>
+        <pc:sldMkLst>
+          <pc:docMk/>
+          <pc:sldMk cId="1622626899" sldId="261"/>
+        </pc:sldMkLst>
+        <pc:spChg chg="mod">
+          <ac:chgData name="Victória Silva Oliveira" userId="aac0cd666a8e7236" providerId="LiveId" clId="{5CFF5978-78B4-4AAC-8E61-5CBBB582178C}" dt="2023-12-07T09:21:12.710" v="91" actId="20577"/>
+          <ac:spMkLst>
+            <pc:docMk/>
+            <pc:sldMk cId="1622626899" sldId="261"/>
+            <ac:spMk id="5" creationId="{98EFBC63-1544-40FE-BA9C-E8CCA61E7739}"/>
+          </ac:spMkLst>
+        </pc:spChg>
+      </pc:sldChg>
       <pc:sldChg chg="del">
         <pc:chgData name="Victória Silva Oliveira" userId="aac0cd666a8e7236" providerId="LiveId" clId="{5CFF5978-78B4-4AAC-8E61-5CBBB582178C}" dt="2023-12-07T00:17:20.224" v="0" actId="47"/>
         <pc:sldMkLst>
@@ -212,7 +227,7 @@
         </pc:picChg>
       </pc:sldChg>
       <pc:sldChg chg="addSp delSp modSp mod">
-        <pc:chgData name="Victória Silva Oliveira" userId="aac0cd666a8e7236" providerId="LiveId" clId="{5CFF5978-78B4-4AAC-8E61-5CBBB582178C}" dt="2023-12-07T00:32:59.057" v="85" actId="478"/>
+        <pc:chgData name="Victória Silva Oliveira" userId="aac0cd666a8e7236" providerId="LiveId" clId="{5CFF5978-78B4-4AAC-8E61-5CBBB582178C}" dt="2023-12-07T09:24:18.573" v="96" actId="1036"/>
         <pc:sldMkLst>
           <pc:docMk/>
           <pc:sldMk cId="3841706774" sldId="276"/>
@@ -234,7 +249,7 @@
           </ac:spMkLst>
         </pc:spChg>
         <pc:spChg chg="add mod">
-          <ac:chgData name="Victória Silva Oliveira" userId="aac0cd666a8e7236" providerId="LiveId" clId="{5CFF5978-78B4-4AAC-8E61-5CBBB582178C}" dt="2023-12-07T00:22:37.307" v="83" actId="20577"/>
+          <ac:chgData name="Victória Silva Oliveira" userId="aac0cd666a8e7236" providerId="LiveId" clId="{5CFF5978-78B4-4AAC-8E61-5CBBB582178C}" dt="2023-12-07T09:24:18.573" v="96" actId="1036"/>
           <ac:spMkLst>
             <pc:docMk/>
             <pc:sldMk cId="3841706774" sldId="276"/>
@@ -496,7 +511,7 @@
           <a:p>
             <a:fld id="{0A236B64-5D6C-4AC0-ACEC-9ECFD8446E2C}" type="datetimeFigureOut">
               <a:rPr lang="pt-BR" smtClean="0"/>
-              <a:t>06/12/2023</a:t>
+              <a:t>07/12/2023</a:t>
             </a:fld>
             <a:endParaRPr lang="pt-BR"/>
           </a:p>
@@ -7287,13 +7302,7 @@
               <a:rPr lang="pt-PT" sz="2400" dirty="0">
                 <a:ea typeface="Times New Roman" panose="02020603050405020304" pitchFamily="18" charset="0"/>
               </a:rPr>
-              <a:t>- Usuabilidade (facilidade de mexer no site)</a:t>
-            </a:r>
-            <a:r>
-              <a:rPr lang="pt-BR" sz="2400" dirty="0">
-                <a:ea typeface="Times New Roman" panose="02020603050405020304" pitchFamily="18" charset="0"/>
-              </a:rPr>
-              <a:t> </a:t>
+              <a:t>- Usuabilidade</a:t>
             </a:r>
             <a:endParaRPr lang="pt-BR" sz="2800" dirty="0">
               <a:ea typeface="Times New Roman" panose="02020603050405020304" pitchFamily="18" charset="0"/>
@@ -7309,13 +7318,7 @@
               <a:rPr lang="pt-PT" sz="2400" dirty="0">
                 <a:ea typeface="Times New Roman" panose="02020603050405020304" pitchFamily="18" charset="0"/>
               </a:rPr>
-              <a:t>- Portabilidade (responsivo)</a:t>
-            </a:r>
-            <a:r>
-              <a:rPr lang="pt-BR" sz="2400" dirty="0">
-                <a:ea typeface="Times New Roman" panose="02020603050405020304" pitchFamily="18" charset="0"/>
-              </a:rPr>
-              <a:t> </a:t>
+              <a:t>- Portabilidade </a:t>
             </a:r>
             <a:endParaRPr lang="pt-BR" sz="2800" dirty="0">
               <a:ea typeface="Times New Roman" panose="02020603050405020304" pitchFamily="18" charset="0"/>
@@ -9707,8 +9710,8 @@
         </p:nvSpPr>
         <p:spPr>
           <a:xfrm>
-            <a:off x="83976" y="1681774"/>
-            <a:ext cx="12307078" cy="4524315"/>
+            <a:off x="186613" y="2400231"/>
+            <a:ext cx="12307078" cy="2585323"/>
           </a:xfrm>
           <a:prstGeom prst="rect">
             <a:avLst/>
@@ -9763,53 +9766,7 @@
           <a:p>
             <a:r>
               <a:rPr lang="pt-BR" dirty="0"/>
-              <a:t>- Integração com ASP.NET </a:t>
-            </a:r>
-            <a:r>
-              <a:rPr lang="pt-BR" dirty="0" err="1"/>
-              <a:t>Core,integração</a:t>
-            </a:r>
-            <a:r>
-              <a:rPr lang="pt-BR" dirty="0"/>
-              <a:t> com o ASP.NET Core, permitindo modularidade para adaptar o sistema às necessidades específicas do projeto.</a:t>
-            </a:r>
-          </a:p>
-          <a:p>
-            <a:endParaRPr lang="pt-BR" dirty="0"/>
-          </a:p>
-          <a:p>
-            <a:r>
-              <a:rPr lang="pt-BR" dirty="0"/>
-              <a:t>Por que Escolher ASP.NET </a:t>
-            </a:r>
-            <a:r>
-              <a:rPr lang="pt-BR" dirty="0" err="1"/>
-              <a:t>Identity</a:t>
-            </a:r>
-            <a:r>
-              <a:rPr lang="pt-BR" dirty="0"/>
-              <a:t>:</a:t>
-            </a:r>
-          </a:p>
-          <a:p>
-            <a:endParaRPr lang="pt-BR" dirty="0"/>
-          </a:p>
-          <a:p>
-            <a:r>
-              <a:rPr lang="pt-BR" dirty="0"/>
-              <a:t>- Eficiência: Facilita a implementação de autenticação e autorização, economizando tempo no desenvolvimento.</a:t>
-            </a:r>
-          </a:p>
-          <a:p>
-            <a:r>
-              <a:rPr lang="pt-BR" dirty="0"/>
-              <a:t>- Personalização: Modularidade permite escolher os componentes necessários para atender às exigências únicas de cada projeto.</a:t>
-            </a:r>
-          </a:p>
-          <a:p>
-            <a:r>
-              <a:rPr lang="pt-BR" dirty="0"/>
-              <a:t>- Segurança: Oferece uma solução completa e segura para o gerenciamento de identidades em aplicativos da web ASP.NET.</a:t>
+              <a:t>- Integração com ASP.NET Core, permitindo modularidade para adaptar o sistema às necessidades específicas do projeto.</a:t>
             </a:r>
           </a:p>
         </p:txBody>
